--- a/Sistem Pemesanan Barang.pptx
+++ b/Sistem Pemesanan Barang.pptx
@@ -8438,385 +8438,385 @@
           <a:lstStyle/>
           <a:p>
             <a:r>
-              <a:rPr lang="en-US" sz="2000" dirty="0" err="1"/>
+              <a:rPr lang="en-US" sz="2000" i="0" dirty="0" err="1"/>
               <a:t>Untuk</a:t>
             </a:r>
             <a:r>
-              <a:rPr lang="en-US" sz="2000" dirty="0"/>
-              <a:t> </a:t>
-            </a:r>
-            <a:r>
-              <a:rPr lang="en-US" sz="2000" dirty="0" err="1"/>
+              <a:rPr lang="en-US" sz="2000" i="0" dirty="0"/>
+              <a:t> </a:t>
+            </a:r>
+            <a:r>
+              <a:rPr lang="en-US" sz="2000" i="0" dirty="0" err="1"/>
               <a:t>kelancaran</a:t>
             </a:r>
             <a:r>
-              <a:rPr lang="en-US" sz="2000" dirty="0"/>
+              <a:rPr lang="en-US" sz="2000" i="0" dirty="0"/>
               <a:t> dan </a:t>
             </a:r>
             <a:r>
-              <a:rPr lang="en-US" sz="2000" dirty="0" err="1"/>
+              <a:rPr lang="en-US" sz="2000" i="0" dirty="0" err="1"/>
               <a:t>kemudahan</a:t>
             </a:r>
             <a:r>
-              <a:rPr lang="en-US" sz="2000" dirty="0"/>
-              <a:t> </a:t>
-            </a:r>
-            <a:r>
-              <a:rPr lang="en-US" sz="2000" dirty="0" err="1"/>
+              <a:rPr lang="en-US" sz="2000" i="0" dirty="0"/>
+              <a:t> </a:t>
+            </a:r>
+            <a:r>
+              <a:rPr lang="en-US" sz="2000" i="0" dirty="0" err="1"/>
               <a:t>transaksi</a:t>
             </a:r>
             <a:r>
-              <a:rPr lang="en-US" sz="2000" dirty="0"/>
-              <a:t> </a:t>
-            </a:r>
-            <a:r>
-              <a:rPr lang="en-US" sz="2000" dirty="0" err="1"/>
+              <a:rPr lang="en-US" sz="2000" i="0" dirty="0"/>
+              <a:t> </a:t>
+            </a:r>
+            <a:r>
+              <a:rPr lang="en-US" sz="2000" i="0" dirty="0" err="1"/>
               <a:t>pemesanan</a:t>
             </a:r>
             <a:r>
-              <a:rPr lang="en-US" sz="2000" dirty="0"/>
-              <a:t> </a:t>
-            </a:r>
-            <a:r>
-              <a:rPr lang="en-US" sz="2000" dirty="0" err="1"/>
+              <a:rPr lang="en-US" sz="2000" i="0" dirty="0"/>
+              <a:t> </a:t>
+            </a:r>
+            <a:r>
+              <a:rPr lang="en-US" sz="2000" i="0" dirty="0" err="1"/>
               <a:t>barang</a:t>
             </a:r>
             <a:r>
-              <a:rPr lang="en-US" sz="2000" dirty="0"/>
+              <a:rPr lang="en-US" sz="2000" i="0" dirty="0"/>
               <a:t>, PT.ABC </a:t>
             </a:r>
             <a:r>
-              <a:rPr lang="en-US" sz="2000" dirty="0" err="1"/>
+              <a:rPr lang="en-US" sz="2000" i="0" dirty="0" err="1"/>
               <a:t>bermaksud</a:t>
             </a:r>
             <a:r>
-              <a:rPr lang="en-US" sz="2000" dirty="0"/>
-              <a:t> </a:t>
-            </a:r>
-            <a:r>
-              <a:rPr lang="en-US" sz="2000" dirty="0" err="1"/>
+              <a:rPr lang="en-US" sz="2000" i="0" dirty="0"/>
+              <a:t> </a:t>
+            </a:r>
+            <a:r>
+              <a:rPr lang="en-US" sz="2000" i="0" dirty="0" err="1"/>
               <a:t>untuk</a:t>
             </a:r>
             <a:r>
-              <a:rPr lang="en-US" sz="2000" dirty="0"/>
-              <a:t> </a:t>
-            </a:r>
-            <a:r>
-              <a:rPr lang="en-US" sz="2000" dirty="0" err="1"/>
+              <a:rPr lang="en-US" sz="2000" i="0" dirty="0"/>
+              <a:t> </a:t>
+            </a:r>
+            <a:r>
+              <a:rPr lang="en-US" sz="2000" i="0" dirty="0" err="1"/>
               <a:t>membuat</a:t>
             </a:r>
             <a:r>
-              <a:rPr lang="en-US" sz="2000" dirty="0"/>
-              <a:t> </a:t>
-            </a:r>
-            <a:r>
-              <a:rPr lang="en-US" sz="2000" dirty="0" err="1"/>
+              <a:rPr lang="en-US" sz="2000" i="0" dirty="0"/>
+              <a:t> </a:t>
+            </a:r>
+            <a:r>
+              <a:rPr lang="en-US" sz="2000" i="0" dirty="0" err="1"/>
               <a:t>sistem</a:t>
             </a:r>
             <a:r>
-              <a:rPr lang="en-US" sz="2000" dirty="0"/>
-              <a:t> </a:t>
-            </a:r>
-            <a:r>
-              <a:rPr lang="en-US" sz="2000" dirty="0" err="1"/>
+              <a:rPr lang="en-US" sz="2000" i="0" dirty="0"/>
+              <a:t> </a:t>
+            </a:r>
+            <a:r>
+              <a:rPr lang="en-US" sz="2000" i="0" dirty="0" err="1"/>
               <a:t>pemesanan</a:t>
             </a:r>
             <a:r>
-              <a:rPr lang="en-US" sz="2000" dirty="0"/>
-              <a:t> </a:t>
-            </a:r>
-            <a:r>
-              <a:rPr lang="en-US" sz="2000" dirty="0" err="1"/>
+              <a:rPr lang="en-US" sz="2000" i="0" dirty="0"/>
+              <a:t> </a:t>
+            </a:r>
+            <a:r>
+              <a:rPr lang="en-US" sz="2000" i="0" dirty="0" err="1"/>
               <a:t>barang</a:t>
             </a:r>
             <a:r>
-              <a:rPr lang="en-US" sz="2000" dirty="0"/>
-              <a:t> </a:t>
-            </a:r>
-            <a:r>
-              <a:rPr lang="en-US" sz="2000" dirty="0" err="1"/>
+              <a:rPr lang="en-US" sz="2000" i="0" dirty="0"/>
+              <a:t> </a:t>
+            </a:r>
+            <a:r>
+              <a:rPr lang="en-US" sz="2000" i="0" dirty="0" err="1"/>
               <a:t>berbasis</a:t>
             </a:r>
             <a:r>
-              <a:rPr lang="en-US" sz="2000" dirty="0"/>
+              <a:rPr lang="en-US" sz="2000" i="0" dirty="0"/>
               <a:t> web. </a:t>
             </a:r>
             <a:r>
-              <a:rPr lang="en-US" sz="2000" dirty="0" err="1"/>
+              <a:rPr lang="en-US" sz="2000" i="0" dirty="0" err="1"/>
               <a:t>Dengan</a:t>
             </a:r>
             <a:r>
-              <a:rPr lang="en-US" sz="2000" dirty="0"/>
-              <a:t> </a:t>
-            </a:r>
-            <a:r>
-              <a:rPr lang="en-US" sz="2000" dirty="0" err="1"/>
+              <a:rPr lang="en-US" sz="2000" i="0" dirty="0"/>
+              <a:t> </a:t>
+            </a:r>
+            <a:r>
+              <a:rPr lang="en-US" sz="2000" i="0" dirty="0" err="1"/>
               <a:t>menggunakan</a:t>
             </a:r>
             <a:r>
-              <a:rPr lang="en-US" sz="2000" dirty="0"/>
+              <a:rPr lang="en-US" sz="2000" i="0" dirty="0"/>
               <a:t> software yang </a:t>
             </a:r>
             <a:r>
-              <a:rPr lang="en-US" sz="2000" dirty="0" err="1"/>
+              <a:rPr lang="en-US" sz="2000" i="0" dirty="0" err="1"/>
               <a:t>berorientasi</a:t>
             </a:r>
             <a:r>
-              <a:rPr lang="en-US" sz="2000" dirty="0"/>
-              <a:t> </a:t>
-            </a:r>
-            <a:r>
-              <a:rPr lang="en-US" sz="2000" dirty="0" err="1"/>
+              <a:rPr lang="en-US" sz="2000" i="0" dirty="0"/>
+              <a:t> </a:t>
+            </a:r>
+            <a:r>
+              <a:rPr lang="en-US" sz="2000" i="0" dirty="0" err="1"/>
               <a:t>objek</a:t>
             </a:r>
             <a:r>
-              <a:rPr lang="en-US" sz="2000" dirty="0"/>
-              <a:t> </a:t>
-            </a:r>
-            <a:r>
-              <a:rPr lang="en-US" sz="2000" dirty="0" err="1"/>
+              <a:rPr lang="en-US" sz="2000" i="0" dirty="0"/>
+              <a:t> </a:t>
+            </a:r>
+            <a:r>
+              <a:rPr lang="en-US" sz="2000" i="0" dirty="0" err="1"/>
               <a:t>diharapkan</a:t>
             </a:r>
             <a:r>
-              <a:rPr lang="en-US" sz="2000" dirty="0"/>
-              <a:t> </a:t>
-            </a:r>
-            <a:r>
-              <a:rPr lang="en-US" sz="2000" dirty="0" err="1"/>
+              <a:rPr lang="en-US" sz="2000" i="0" dirty="0"/>
+              <a:t> </a:t>
+            </a:r>
+            <a:r>
+              <a:rPr lang="en-US" sz="2000" i="0" dirty="0" err="1"/>
               <a:t>sistem</a:t>
             </a:r>
             <a:r>
-              <a:rPr lang="en-US" sz="2000" dirty="0"/>
-              <a:t> </a:t>
-            </a:r>
-            <a:r>
-              <a:rPr lang="en-US" sz="2000" dirty="0" err="1"/>
+              <a:rPr lang="en-US" sz="2000" i="0" dirty="0"/>
+              <a:t> </a:t>
+            </a:r>
+            <a:r>
+              <a:rPr lang="en-US" sz="2000" i="0" dirty="0" err="1"/>
               <a:t>ini</a:t>
             </a:r>
             <a:r>
-              <a:rPr lang="en-US" sz="2000" dirty="0"/>
-              <a:t> </a:t>
-            </a:r>
-            <a:r>
-              <a:rPr lang="en-US" sz="2000" dirty="0" err="1"/>
+              <a:rPr lang="en-US" sz="2000" i="0" dirty="0"/>
+              <a:t> </a:t>
+            </a:r>
+            <a:r>
+              <a:rPr lang="en-US" sz="2000" i="0" dirty="0" err="1"/>
               <a:t>akan</a:t>
             </a:r>
             <a:r>
-              <a:rPr lang="en-US" sz="2000" dirty="0"/>
-              <a:t> </a:t>
-            </a:r>
-            <a:r>
-              <a:rPr lang="en-US" sz="2000" dirty="0" err="1"/>
+              <a:rPr lang="en-US" sz="2000" i="0" dirty="0"/>
+              <a:t> </a:t>
+            </a:r>
+            <a:r>
+              <a:rPr lang="en-US" sz="2000" i="0" dirty="0" err="1"/>
               <a:t>mempermudah</a:t>
             </a:r>
             <a:r>
-              <a:rPr lang="en-US" sz="2000" dirty="0"/>
-              <a:t> </a:t>
-            </a:r>
-            <a:r>
-              <a:rPr lang="en-US" sz="2000" dirty="0" err="1"/>
+              <a:rPr lang="en-US" sz="2000" i="0" dirty="0"/>
+              <a:t> </a:t>
+            </a:r>
+            <a:r>
+              <a:rPr lang="en-US" sz="2000" i="0" dirty="0" err="1"/>
               <a:t>transaksi</a:t>
             </a:r>
             <a:r>
-              <a:rPr lang="en-US" sz="2000" dirty="0"/>
-              <a:t> </a:t>
-            </a:r>
-            <a:r>
-              <a:rPr lang="en-US" sz="2000" dirty="0" err="1"/>
+              <a:rPr lang="en-US" sz="2000" i="0" dirty="0"/>
+              <a:t> </a:t>
+            </a:r>
+            <a:r>
+              <a:rPr lang="en-US" sz="2000" i="0" dirty="0" err="1"/>
               <a:t>pemesanan</a:t>
             </a:r>
             <a:r>
-              <a:rPr lang="en-US" sz="2000" dirty="0"/>
-              <a:t> </a:t>
-            </a:r>
-            <a:r>
-              <a:rPr lang="en-US" sz="2000" dirty="0" err="1"/>
+              <a:rPr lang="en-US" sz="2000" i="0" dirty="0"/>
+              <a:t> </a:t>
+            </a:r>
+            <a:r>
+              <a:rPr lang="en-US" sz="2000" i="0" dirty="0" err="1"/>
               <a:t>barang</a:t>
             </a:r>
             <a:r>
-              <a:rPr lang="en-US" sz="2000" dirty="0"/>
-              <a:t> </a:t>
-            </a:r>
-            <a:r>
-              <a:rPr lang="en-US" sz="2000" dirty="0" err="1"/>
+              <a:rPr lang="en-US" sz="2000" i="0" dirty="0"/>
+              <a:t> </a:t>
+            </a:r>
+            <a:r>
+              <a:rPr lang="en-US" sz="2000" i="0" dirty="0" err="1"/>
               <a:t>mulai</a:t>
             </a:r>
             <a:r>
-              <a:rPr lang="en-US" sz="2000" dirty="0"/>
-              <a:t> </a:t>
-            </a:r>
-            <a:r>
-              <a:rPr lang="en-US" sz="2000" dirty="0" err="1"/>
+              <a:rPr lang="en-US" sz="2000" i="0" dirty="0"/>
+              <a:t> </a:t>
+            </a:r>
+            <a:r>
+              <a:rPr lang="en-US" sz="2000" i="0" dirty="0" err="1"/>
               <a:t>dari</a:t>
             </a:r>
             <a:r>
-              <a:rPr lang="en-US" sz="2000" dirty="0"/>
-              <a:t> </a:t>
-            </a:r>
-            <a:r>
-              <a:rPr lang="en-US" sz="2000" dirty="0" err="1"/>
+              <a:rPr lang="en-US" sz="2000" i="0" dirty="0"/>
+              <a:t> </a:t>
+            </a:r>
+            <a:r>
+              <a:rPr lang="en-US" sz="2000" i="0" dirty="0" err="1"/>
               <a:t>pelanggan</a:t>
             </a:r>
             <a:r>
-              <a:rPr lang="en-US" sz="2000" dirty="0"/>
-              <a:t> </a:t>
-            </a:r>
-            <a:r>
-              <a:rPr lang="en-US" sz="2000" dirty="0" err="1"/>
+              <a:rPr lang="en-US" sz="2000" i="0" dirty="0"/>
+              <a:t> </a:t>
+            </a:r>
+            <a:r>
+              <a:rPr lang="en-US" sz="2000" i="0" dirty="0" err="1"/>
               <a:t>kepada</a:t>
             </a:r>
             <a:r>
-              <a:rPr lang="en-US" sz="2000" dirty="0"/>
-              <a:t> </a:t>
-            </a:r>
-            <a:r>
-              <a:rPr lang="en-US" sz="2000" dirty="0" err="1"/>
+              <a:rPr lang="en-US" sz="2000" i="0" dirty="0"/>
+              <a:t> </a:t>
+            </a:r>
+            <a:r>
+              <a:rPr lang="en-US" sz="2000" i="0" dirty="0" err="1"/>
               <a:t>penjual</a:t>
             </a:r>
             <a:r>
-              <a:rPr lang="en-US" sz="2000" dirty="0"/>
-              <a:t> </a:t>
-            </a:r>
-            <a:r>
-              <a:rPr lang="en-US" sz="2000" dirty="0" err="1"/>
+              <a:rPr lang="en-US" sz="2000" i="0" dirty="0"/>
+              <a:t> </a:t>
+            </a:r>
+            <a:r>
+              <a:rPr lang="en-US" sz="2000" i="0" dirty="0" err="1"/>
               <a:t>hingga</a:t>
             </a:r>
             <a:r>
-              <a:rPr lang="en-US" sz="2000" dirty="0"/>
-              <a:t> </a:t>
-            </a:r>
-            <a:r>
-              <a:rPr lang="en-US" sz="2000" dirty="0" err="1"/>
+              <a:rPr lang="en-US" sz="2000" i="0" dirty="0"/>
+              <a:t> </a:t>
+            </a:r>
+            <a:r>
+              <a:rPr lang="en-US" sz="2000" i="0" dirty="0" err="1"/>
               <a:t>sampai</a:t>
             </a:r>
             <a:r>
-              <a:rPr lang="en-US" sz="2000" dirty="0"/>
-              <a:t> </a:t>
-            </a:r>
-            <a:r>
-              <a:rPr lang="en-US" sz="2000" dirty="0" err="1"/>
+              <a:rPr lang="en-US" sz="2000" i="0" dirty="0"/>
+              <a:t> </a:t>
+            </a:r>
+            <a:r>
+              <a:rPr lang="en-US" sz="2000" i="0" dirty="0" err="1"/>
               <a:t>kepada</a:t>
             </a:r>
             <a:r>
-              <a:rPr lang="en-US" sz="2000" dirty="0"/>
-              <a:t> </a:t>
-            </a:r>
-            <a:r>
-              <a:rPr lang="en-US" sz="2000" dirty="0" err="1"/>
+              <a:rPr lang="en-US" sz="2000" i="0" dirty="0"/>
+              <a:t> </a:t>
+            </a:r>
+            <a:r>
+              <a:rPr lang="en-US" sz="2000" i="0" dirty="0" err="1"/>
               <a:t>bagian</a:t>
             </a:r>
             <a:r>
-              <a:rPr lang="en-US" sz="2000" dirty="0"/>
-              <a:t> </a:t>
-            </a:r>
-            <a:r>
-              <a:rPr lang="en-US" sz="2000" dirty="0" err="1"/>
+              <a:rPr lang="en-US" sz="2000" i="0" dirty="0"/>
+              <a:t> </a:t>
+            </a:r>
+            <a:r>
+              <a:rPr lang="en-US" sz="2000" i="0" dirty="0" err="1"/>
               <a:t>produksi</a:t>
             </a:r>
             <a:r>
-              <a:rPr lang="en-US" sz="2000" dirty="0"/>
-              <a:t> </a:t>
-            </a:r>
-            <a:r>
-              <a:rPr lang="en-US" sz="2000" dirty="0" err="1"/>
+              <a:rPr lang="en-US" sz="2000" i="0" dirty="0"/>
+              <a:t> </a:t>
+            </a:r>
+            <a:r>
+              <a:rPr lang="en-US" sz="2000" i="0" dirty="0" err="1"/>
               <a:t>untuk</a:t>
             </a:r>
             <a:r>
-              <a:rPr lang="en-US" sz="2000" dirty="0"/>
-              <a:t> </a:t>
-            </a:r>
-            <a:r>
-              <a:rPr lang="en-US" sz="2000" dirty="0" err="1"/>
+              <a:rPr lang="en-US" sz="2000" i="0" dirty="0"/>
+              <a:t> </a:t>
+            </a:r>
+            <a:r>
+              <a:rPr lang="en-US" sz="2000" i="0" dirty="0" err="1"/>
               <a:t>dilakukan</a:t>
             </a:r>
             <a:r>
-              <a:rPr lang="en-US" sz="2000" dirty="0"/>
-              <a:t> </a:t>
-            </a:r>
-            <a:r>
-              <a:rPr lang="en-US" sz="2000" dirty="0" err="1"/>
+              <a:rPr lang="en-US" sz="2000" i="0" dirty="0"/>
+              <a:t> </a:t>
+            </a:r>
+            <a:r>
+              <a:rPr lang="en-US" sz="2000" i="0" dirty="0" err="1"/>
               <a:t>pemrosesan</a:t>
             </a:r>
             <a:r>
-              <a:rPr lang="en-US" sz="2000" dirty="0"/>
-              <a:t> </a:t>
-            </a:r>
-            <a:r>
-              <a:rPr lang="en-US" sz="2000" dirty="0" err="1"/>
+              <a:rPr lang="en-US" sz="2000" i="0" dirty="0"/>
+              <a:t> </a:t>
+            </a:r>
+            <a:r>
+              <a:rPr lang="en-US" sz="2000" i="0" dirty="0" err="1"/>
               <a:t>pemesanan</a:t>
             </a:r>
             <a:r>
-              <a:rPr lang="en-US" sz="2000" dirty="0"/>
-              <a:t> </a:t>
-            </a:r>
-            <a:r>
-              <a:rPr lang="en-US" sz="2000" dirty="0" err="1"/>
+              <a:rPr lang="en-US" sz="2000" i="0" dirty="0"/>
+              <a:t> </a:t>
+            </a:r>
+            <a:r>
+              <a:rPr lang="en-US" sz="2000" i="0" dirty="0" err="1"/>
               <a:t>barang</a:t>
             </a:r>
             <a:r>
-              <a:rPr lang="en-US" sz="2000" dirty="0"/>
+              <a:rPr lang="en-US" sz="2000" i="0" dirty="0"/>
               <a:t>.</a:t>
             </a:r>
-            <a:endParaRPr lang="en-ID" sz="2000" dirty="0"/>
-          </a:p>
-          <a:p>
-            <a:r>
-              <a:rPr lang="en-US" sz="2000" dirty="0" err="1"/>
+            <a:endParaRPr lang="en-ID" sz="2000" i="0" dirty="0"/>
+          </a:p>
+          <a:p>
+            <a:r>
+              <a:rPr lang="en-US" sz="2000" i="0" dirty="0" err="1"/>
               <a:t>Adapun</a:t>
             </a:r>
             <a:r>
-              <a:rPr lang="en-US" sz="2000" dirty="0"/>
-              <a:t> </a:t>
-            </a:r>
-            <a:r>
-              <a:rPr lang="en-US" sz="2000" dirty="0" err="1"/>
+              <a:rPr lang="en-US" sz="2000" i="0" dirty="0"/>
+              <a:t> </a:t>
+            </a:r>
+            <a:r>
+              <a:rPr lang="en-US" sz="2000" i="0" dirty="0" err="1"/>
               <a:t>poin-poin</a:t>
             </a:r>
             <a:r>
-              <a:rPr lang="en-US" sz="2000" dirty="0"/>
-              <a:t> </a:t>
-            </a:r>
-            <a:r>
-              <a:rPr lang="en-US" sz="2000" dirty="0" err="1"/>
+              <a:rPr lang="en-US" sz="2000" i="0" dirty="0"/>
+              <a:t> </a:t>
+            </a:r>
+            <a:r>
+              <a:rPr lang="en-US" sz="2000" i="0" dirty="0" err="1"/>
               <a:t>penting</a:t>
             </a:r>
             <a:r>
-              <a:rPr lang="en-US" sz="2000" dirty="0"/>
+              <a:rPr lang="en-US" sz="2000" i="0" dirty="0"/>
               <a:t> yang </a:t>
             </a:r>
             <a:r>
-              <a:rPr lang="en-US" sz="2000" dirty="0" err="1"/>
+              <a:rPr lang="en-US" sz="2000" i="0" dirty="0" err="1"/>
               <a:t>bisa</a:t>
             </a:r>
             <a:r>
-              <a:rPr lang="en-US" sz="2000" dirty="0"/>
-              <a:t> </a:t>
-            </a:r>
-            <a:r>
-              <a:rPr lang="en-US" sz="2000" dirty="0" err="1"/>
+              <a:rPr lang="en-US" sz="2000" i="0" dirty="0"/>
+              <a:t> </a:t>
+            </a:r>
+            <a:r>
+              <a:rPr lang="en-US" sz="2000" i="0" dirty="0" err="1"/>
               <a:t>dilakukan</a:t>
             </a:r>
             <a:r>
-              <a:rPr lang="en-US" sz="2000" dirty="0"/>
+              <a:rPr lang="en-US" sz="2000" i="0" dirty="0"/>
               <a:t> oleh </a:t>
             </a:r>
             <a:r>
-              <a:rPr lang="en-US" sz="2000" dirty="0" err="1"/>
+              <a:rPr lang="en-US" sz="2000" i="0" dirty="0" err="1"/>
               <a:t>sistem</a:t>
             </a:r>
             <a:r>
-              <a:rPr lang="en-US" sz="2000" dirty="0"/>
-              <a:t> </a:t>
-            </a:r>
-            <a:r>
-              <a:rPr lang="en-US" sz="2000" dirty="0" err="1"/>
+              <a:rPr lang="en-US" sz="2000" i="0" dirty="0"/>
+              <a:t> </a:t>
+            </a:r>
+            <a:r>
+              <a:rPr lang="en-US" sz="2000" i="0" dirty="0" err="1"/>
               <a:t>seperti</a:t>
             </a:r>
             <a:r>
-              <a:rPr lang="en-US" sz="2000" dirty="0"/>
+              <a:rPr lang="en-US" sz="2000" i="0" dirty="0"/>
               <a:t>:</a:t>
             </a:r>
-            <a:endParaRPr lang="en-ID" sz="2000" dirty="0"/>
+            <a:endParaRPr lang="en-ID" sz="2000" i="0" dirty="0"/>
           </a:p>
           <a:p>
             <a:pPr marL="542925" lvl="1" indent="-342900">
@@ -8824,47 +8824,47 @@
               <a:buChar char="•"/>
             </a:pPr>
             <a:r>
-              <a:rPr lang="en-US" sz="2000" i="1" dirty="0" err="1"/>
+              <a:rPr lang="en-US" sz="2000" dirty="0" err="1"/>
               <a:t>Konsumen</a:t>
             </a:r>
             <a:r>
-              <a:rPr lang="en-US" sz="2000" i="1" dirty="0"/>
-              <a:t> </a:t>
-            </a:r>
-            <a:r>
-              <a:rPr lang="en-US" sz="2000" i="1" dirty="0" err="1"/>
+              <a:rPr lang="en-US" sz="2000" dirty="0"/>
+              <a:t> </a:t>
+            </a:r>
+            <a:r>
+              <a:rPr lang="en-US" sz="2000" dirty="0" err="1"/>
               <a:t>melakukan</a:t>
             </a:r>
             <a:r>
-              <a:rPr lang="en-US" sz="2000" i="1" dirty="0"/>
-              <a:t> </a:t>
-            </a:r>
-            <a:r>
-              <a:rPr lang="en-US" sz="2000" i="1" dirty="0" err="1"/>
+              <a:rPr lang="en-US" sz="2000" dirty="0"/>
+              <a:t> </a:t>
+            </a:r>
+            <a:r>
+              <a:rPr lang="en-US" sz="2000" dirty="0" err="1"/>
               <a:t>pencarian</a:t>
             </a:r>
             <a:r>
-              <a:rPr lang="en-US" sz="2000" i="1" dirty="0"/>
-              <a:t> </a:t>
-            </a:r>
-            <a:r>
-              <a:rPr lang="en-US" sz="2000" i="1" dirty="0" err="1"/>
+              <a:rPr lang="en-US" sz="2000" dirty="0"/>
+              <a:t> </a:t>
+            </a:r>
+            <a:r>
+              <a:rPr lang="en-US" sz="2000" dirty="0" err="1"/>
               <a:t>katalog</a:t>
             </a:r>
             <a:r>
-              <a:rPr lang="en-US" sz="2000" i="1" dirty="0"/>
+              <a:rPr lang="en-US" sz="2000" dirty="0"/>
               <a:t> dan </a:t>
             </a:r>
             <a:r>
-              <a:rPr lang="en-US" sz="2000" i="1" dirty="0" err="1"/>
+              <a:rPr lang="en-US" sz="2000" dirty="0" err="1"/>
               <a:t>memilih</a:t>
             </a:r>
             <a:r>
-              <a:rPr lang="en-US" sz="2000" i="1" dirty="0"/>
+              <a:rPr lang="en-US" sz="2000" dirty="0"/>
               <a:t> item </a:t>
             </a:r>
             <a:r>
-              <a:rPr lang="en-US" sz="2000" i="1" dirty="0" err="1"/>
+              <a:rPr lang="en-US" sz="2000" dirty="0" err="1"/>
               <a:t>barang</a:t>
             </a:r>
             <a:endParaRPr lang="en-ID" sz="2000" dirty="0"/>
@@ -8875,23 +8875,23 @@
               <a:buChar char="•"/>
             </a:pPr>
             <a:r>
-              <a:rPr lang="en-US" sz="2000" i="1" dirty="0" err="1"/>
+              <a:rPr lang="en-US" sz="2000" dirty="0" err="1"/>
               <a:t>Konsumen</a:t>
             </a:r>
             <a:r>
-              <a:rPr lang="en-US" sz="2000" i="1" dirty="0"/>
-              <a:t> </a:t>
-            </a:r>
-            <a:r>
-              <a:rPr lang="en-US" sz="2000" i="1" dirty="0" err="1"/>
+              <a:rPr lang="en-US" sz="2000" dirty="0"/>
+              <a:t> </a:t>
+            </a:r>
+            <a:r>
+              <a:rPr lang="en-US" sz="2000" dirty="0" err="1"/>
               <a:t>memanggil</a:t>
             </a:r>
             <a:r>
-              <a:rPr lang="en-US" sz="2000" i="1" dirty="0"/>
+              <a:rPr lang="en-US" sz="2000" dirty="0"/>
               <a:t> sales yang </a:t>
             </a:r>
             <a:r>
-              <a:rPr lang="en-US" sz="2000" i="1" dirty="0" err="1"/>
+              <a:rPr lang="en-US" sz="2000" dirty="0" err="1"/>
               <a:t>berkepentingan</a:t>
             </a:r>
             <a:endParaRPr lang="en-ID" sz="2000" dirty="0"/>
@@ -8902,51 +8902,51 @@
               <a:buChar char="•"/>
             </a:pPr>
             <a:r>
-              <a:rPr lang="en-US" sz="2000" i="1" dirty="0" err="1"/>
+              <a:rPr lang="en-US" sz="2000" dirty="0" err="1"/>
               <a:t>Konsumen</a:t>
             </a:r>
             <a:r>
-              <a:rPr lang="en-US" sz="2000" i="1" dirty="0"/>
-              <a:t> </a:t>
-            </a:r>
-            <a:r>
-              <a:rPr lang="en-US" sz="2000" i="1" dirty="0" err="1"/>
+              <a:rPr lang="en-US" sz="2000" dirty="0"/>
+              <a:t> </a:t>
+            </a:r>
+            <a:r>
+              <a:rPr lang="en-US" sz="2000" dirty="0" err="1"/>
               <a:t>memberikan</a:t>
             </a:r>
             <a:r>
-              <a:rPr lang="en-US" sz="2000" i="1" dirty="0"/>
-              <a:t> </a:t>
-            </a:r>
-            <a:r>
-              <a:rPr lang="en-US" sz="2000" i="1" dirty="0" err="1"/>
+              <a:rPr lang="en-US" sz="2000" dirty="0"/>
+              <a:t> </a:t>
+            </a:r>
+            <a:r>
+              <a:rPr lang="en-US" sz="2000" dirty="0" err="1"/>
               <a:t>informasi</a:t>
             </a:r>
             <a:r>
-              <a:rPr lang="en-US" sz="2000" i="1" dirty="0"/>
-              <a:t> </a:t>
-            </a:r>
-            <a:r>
-              <a:rPr lang="en-US" sz="2000" i="1" dirty="0" err="1"/>
+              <a:rPr lang="en-US" sz="2000" dirty="0"/>
+              <a:t> </a:t>
+            </a:r>
+            <a:r>
+              <a:rPr lang="en-US" sz="2000" dirty="0" err="1"/>
               <a:t>pengiriman</a:t>
             </a:r>
             <a:r>
-              <a:rPr lang="en-US" sz="2000" i="1" dirty="0"/>
-              <a:t> </a:t>
-            </a:r>
-            <a:r>
-              <a:rPr lang="en-US" sz="2000" i="1" dirty="0" err="1"/>
+              <a:rPr lang="en-US" sz="2000" dirty="0"/>
+              <a:t> </a:t>
+            </a:r>
+            <a:r>
+              <a:rPr lang="en-US" sz="2000" dirty="0" err="1"/>
               <a:t>barang</a:t>
             </a:r>
             <a:r>
-              <a:rPr lang="en-US" sz="2000" i="1" dirty="0"/>
-              <a:t> </a:t>
-            </a:r>
-            <a:r>
-              <a:rPr lang="en-US" sz="2000" i="1" dirty="0" err="1"/>
+              <a:rPr lang="en-US" sz="2000" dirty="0"/>
+              <a:t> </a:t>
+            </a:r>
+            <a:r>
+              <a:rPr lang="en-US" sz="2000" dirty="0" err="1"/>
               <a:t>ke</a:t>
             </a:r>
             <a:r>
-              <a:rPr lang="en-US" sz="2000" i="1" dirty="0"/>
+              <a:rPr lang="en-US" sz="2000" dirty="0"/>
               <a:t> sales</a:t>
             </a:r>
             <a:endParaRPr lang="en-ID" sz="2000" dirty="0"/>
@@ -8957,43 +8957,43 @@
               <a:buChar char="•"/>
             </a:pPr>
             <a:r>
-              <a:rPr lang="en-US" sz="2000" i="1" dirty="0" err="1"/>
+              <a:rPr lang="en-US" sz="2000" dirty="0" err="1"/>
               <a:t>Konsumen</a:t>
             </a:r>
             <a:r>
-              <a:rPr lang="en-US" sz="2000" i="1" dirty="0"/>
-              <a:t> </a:t>
-            </a:r>
-            <a:r>
-              <a:rPr lang="en-US" sz="2000" i="1" dirty="0" err="1"/>
+              <a:rPr lang="en-US" sz="2000" dirty="0"/>
+              <a:t> </a:t>
+            </a:r>
+            <a:r>
+              <a:rPr lang="en-US" sz="2000" dirty="0" err="1"/>
               <a:t>memberikan</a:t>
             </a:r>
             <a:r>
-              <a:rPr lang="en-US" sz="2000" i="1" dirty="0"/>
+              <a:rPr lang="en-US" sz="2000" dirty="0"/>
               <a:t> form </a:t>
             </a:r>
             <a:r>
-              <a:rPr lang="en-US" sz="2000" i="1" dirty="0" err="1"/>
+              <a:rPr lang="en-US" sz="2000" dirty="0" err="1"/>
               <a:t>rincian</a:t>
             </a:r>
             <a:r>
-              <a:rPr lang="en-US" sz="2000" i="1" dirty="0"/>
-              <a:t> </a:t>
-            </a:r>
-            <a:r>
-              <a:rPr lang="en-US" sz="2000" i="1" dirty="0" err="1"/>
+              <a:rPr lang="en-US" sz="2000" dirty="0"/>
+              <a:t> </a:t>
+            </a:r>
+            <a:r>
+              <a:rPr lang="en-US" sz="2000" dirty="0" err="1"/>
               <a:t>biaya</a:t>
             </a:r>
             <a:r>
-              <a:rPr lang="en-US" sz="2000" i="1" dirty="0"/>
-              <a:t> </a:t>
-            </a:r>
-            <a:r>
-              <a:rPr lang="en-US" sz="2000" i="1" dirty="0" err="1"/>
+              <a:rPr lang="en-US" sz="2000" dirty="0"/>
+              <a:t> </a:t>
+            </a:r>
+            <a:r>
+              <a:rPr lang="en-US" sz="2000" dirty="0" err="1"/>
               <a:t>ke</a:t>
             </a:r>
             <a:r>
-              <a:rPr lang="en-US" sz="2000" i="1" dirty="0"/>
+              <a:rPr lang="en-US" sz="2000" dirty="0"/>
               <a:t> sales</a:t>
             </a:r>
             <a:endParaRPr lang="en-ID" sz="2000" dirty="0"/>
@@ -9004,39 +9004,39 @@
               <a:buChar char="•"/>
             </a:pPr>
             <a:r>
-              <a:rPr lang="en-US" sz="2000" i="1" dirty="0" err="1"/>
+              <a:rPr lang="en-US" sz="2000" dirty="0" err="1"/>
               <a:t>Konsumen</a:t>
             </a:r>
             <a:r>
-              <a:rPr lang="en-US" sz="2000" i="1" dirty="0"/>
-              <a:t> </a:t>
-            </a:r>
-            <a:r>
-              <a:rPr lang="en-US" sz="2000" i="1" dirty="0" err="1"/>
+              <a:rPr lang="en-US" sz="2000" dirty="0"/>
+              <a:t> </a:t>
+            </a:r>
+            <a:r>
+              <a:rPr lang="en-US" sz="2000" dirty="0" err="1"/>
               <a:t>menerima</a:t>
             </a:r>
             <a:r>
-              <a:rPr lang="en-US" sz="2000" i="1" dirty="0"/>
-              <a:t> </a:t>
-            </a:r>
-            <a:r>
-              <a:rPr lang="en-US" sz="2000" i="1" dirty="0" err="1"/>
+              <a:rPr lang="en-US" sz="2000" dirty="0"/>
+              <a:t> </a:t>
+            </a:r>
+            <a:r>
+              <a:rPr lang="en-US" sz="2000" dirty="0" err="1"/>
               <a:t>faktur</a:t>
             </a:r>
             <a:r>
-              <a:rPr lang="en-US" sz="2000" i="1" dirty="0"/>
-              <a:t> </a:t>
-            </a:r>
-            <a:r>
-              <a:rPr lang="en-US" sz="2000" i="1" dirty="0" err="1"/>
+              <a:rPr lang="en-US" sz="2000" dirty="0"/>
+              <a:t> </a:t>
+            </a:r>
+            <a:r>
+              <a:rPr lang="en-US" sz="2000" dirty="0" err="1"/>
               <a:t>pembelian</a:t>
             </a:r>
             <a:r>
-              <a:rPr lang="en-US" sz="2000" i="1" dirty="0"/>
-              <a:t> </a:t>
-            </a:r>
-            <a:r>
-              <a:rPr lang="en-US" sz="2000" i="1" dirty="0" err="1"/>
+              <a:rPr lang="en-US" sz="2000" dirty="0"/>
+              <a:t> </a:t>
+            </a:r>
+            <a:r>
+              <a:rPr lang="en-US" sz="2000" dirty="0" err="1"/>
               <a:t>barang</a:t>
             </a:r>
             <a:endParaRPr lang="en-ID" sz="2000" dirty="0"/>
@@ -9778,257 +9778,257 @@
           <a:lstStyle/>
           <a:p>
             <a:r>
-              <a:rPr lang="en-ID" dirty="0" err="1"/>
+              <a:rPr lang="en-ID" sz="2800" i="0" dirty="0" err="1"/>
               <a:t>Penulis</a:t>
             </a:r>
             <a:r>
-              <a:rPr lang="en-ID" dirty="0"/>
-              <a:t> </a:t>
-            </a:r>
-            <a:r>
-              <a:rPr lang="en-ID" dirty="0" err="1"/>
+              <a:rPr lang="en-ID" sz="2800" i="0" dirty="0"/>
+              <a:t> </a:t>
+            </a:r>
+            <a:r>
+              <a:rPr lang="en-ID" sz="2800" i="0" dirty="0" err="1"/>
               <a:t>memberikan</a:t>
             </a:r>
             <a:r>
-              <a:rPr lang="en-ID" dirty="0"/>
-              <a:t> </a:t>
-            </a:r>
-            <a:r>
-              <a:rPr lang="en-ID" dirty="0" err="1"/>
+              <a:rPr lang="en-ID" sz="2800" i="0" dirty="0"/>
+              <a:t> </a:t>
+            </a:r>
+            <a:r>
+              <a:rPr lang="en-ID" sz="2800" i="0" dirty="0" err="1"/>
               <a:t>batasan</a:t>
             </a:r>
             <a:r>
-              <a:rPr lang="en-ID" dirty="0"/>
-              <a:t> </a:t>
-            </a:r>
-            <a:r>
-              <a:rPr lang="en-ID" dirty="0" err="1"/>
+              <a:rPr lang="en-ID" sz="2800" i="0" dirty="0"/>
+              <a:t> </a:t>
+            </a:r>
+            <a:r>
+              <a:rPr lang="en-ID" sz="2800" i="0" dirty="0" err="1"/>
               <a:t>masalah</a:t>
             </a:r>
             <a:r>
-              <a:rPr lang="en-ID" dirty="0"/>
-              <a:t> </a:t>
-            </a:r>
-            <a:r>
-              <a:rPr lang="en-ID" dirty="0" err="1"/>
+              <a:rPr lang="en-ID" sz="2800" i="0" dirty="0"/>
+              <a:t> </a:t>
+            </a:r>
+            <a:r>
+              <a:rPr lang="en-ID" sz="2800" i="0" dirty="0" err="1"/>
               <a:t>dalam</a:t>
             </a:r>
             <a:r>
-              <a:rPr lang="en-ID" dirty="0"/>
-              <a:t> </a:t>
-            </a:r>
-            <a:r>
-              <a:rPr lang="en-ID" dirty="0" err="1"/>
+              <a:rPr lang="en-ID" sz="2800" i="0" dirty="0"/>
+              <a:t> </a:t>
+            </a:r>
+            <a:r>
+              <a:rPr lang="en-ID" sz="2800" i="0" dirty="0" err="1"/>
               <a:t>penulisan</a:t>
             </a:r>
             <a:r>
-              <a:rPr lang="en-ID" dirty="0"/>
-              <a:t> </a:t>
-            </a:r>
-            <a:r>
-              <a:rPr lang="en-ID" dirty="0" err="1"/>
+              <a:rPr lang="en-ID" sz="2800" i="0" dirty="0"/>
+              <a:t> </a:t>
+            </a:r>
+            <a:r>
+              <a:rPr lang="en-ID" sz="2800" i="0" dirty="0" err="1"/>
               <a:t>Laporan</a:t>
             </a:r>
             <a:r>
-              <a:rPr lang="en-ID" dirty="0"/>
-              <a:t> </a:t>
-            </a:r>
-            <a:r>
-              <a:rPr lang="en-ID" dirty="0" err="1"/>
+              <a:rPr lang="en-ID" sz="2800" i="0" dirty="0"/>
+              <a:t> </a:t>
+            </a:r>
+            <a:r>
+              <a:rPr lang="en-ID" sz="2800" i="0" dirty="0" err="1"/>
               <a:t>ini</a:t>
             </a:r>
             <a:r>
-              <a:rPr lang="en-ID" dirty="0"/>
+              <a:rPr lang="en-ID" sz="2800" i="0" dirty="0"/>
               <a:t> agar </a:t>
             </a:r>
             <a:r>
-              <a:rPr lang="en-ID" dirty="0" err="1"/>
+              <a:rPr lang="en-ID" sz="2800" i="0" dirty="0" err="1"/>
               <a:t>tidak</a:t>
             </a:r>
             <a:r>
-              <a:rPr lang="en-ID" dirty="0"/>
-              <a:t> </a:t>
-            </a:r>
-            <a:r>
-              <a:rPr lang="en-ID" dirty="0" err="1"/>
+              <a:rPr lang="en-ID" sz="2800" i="0" dirty="0"/>
+              <a:t> </a:t>
+            </a:r>
+            <a:r>
+              <a:rPr lang="en-ID" sz="2800" i="0" dirty="0" err="1"/>
               <a:t>menyimpang</a:t>
             </a:r>
             <a:r>
-              <a:rPr lang="en-ID" dirty="0"/>
-              <a:t> </a:t>
-            </a:r>
-          </a:p>
-          <a:p>
-            <a:r>
-              <a:rPr lang="en-ID" dirty="0" err="1"/>
+              <a:rPr lang="en-ID" sz="2800" i="0" dirty="0"/>
+              <a:t> </a:t>
+            </a:r>
+          </a:p>
+          <a:p>
+            <a:r>
+              <a:rPr lang="en-ID" sz="2800" i="0" dirty="0" err="1"/>
               <a:t>dari</a:t>
             </a:r>
             <a:r>
-              <a:rPr lang="en-ID" dirty="0"/>
-              <a:t> </a:t>
-            </a:r>
-            <a:r>
-              <a:rPr lang="en-ID" dirty="0" err="1"/>
+              <a:rPr lang="en-ID" sz="2800" i="0" dirty="0"/>
+              <a:t> </a:t>
+            </a:r>
+            <a:r>
+              <a:rPr lang="en-ID" sz="2800" i="0" dirty="0" err="1"/>
               <a:t>permasalahan</a:t>
             </a:r>
             <a:r>
-              <a:rPr lang="en-ID" dirty="0"/>
+              <a:rPr lang="en-ID" sz="2800" i="0" dirty="0"/>
               <a:t> yang </a:t>
             </a:r>
             <a:r>
-              <a:rPr lang="en-ID" dirty="0" err="1"/>
+              <a:rPr lang="en-ID" sz="2800" i="0" dirty="0" err="1"/>
               <a:t>dikemukakan</a:t>
             </a:r>
             <a:r>
-              <a:rPr lang="en-ID" dirty="0"/>
+              <a:rPr lang="en-ID" sz="2800" i="0" dirty="0"/>
               <a:t> di </a:t>
             </a:r>
             <a:r>
-              <a:rPr lang="en-ID" dirty="0" err="1"/>
+              <a:rPr lang="en-ID" sz="2800" i="0" dirty="0" err="1"/>
               <a:t>atas</a:t>
             </a:r>
             <a:r>
-              <a:rPr lang="en-ID" dirty="0"/>
+              <a:rPr lang="en-ID" sz="2800" i="0" dirty="0"/>
               <a:t>, </a:t>
             </a:r>
             <a:r>
-              <a:rPr lang="en-ID" dirty="0" err="1"/>
+              <a:rPr lang="en-ID" sz="2800" i="0" dirty="0" err="1"/>
               <a:t>yaitu</a:t>
             </a:r>
             <a:r>
-              <a:rPr lang="en-ID" dirty="0"/>
+              <a:rPr lang="en-ID" sz="2800" i="0" dirty="0"/>
               <a:t>:</a:t>
             </a:r>
           </a:p>
           <a:p>
             <a:r>
-              <a:rPr lang="en-ID" dirty="0"/>
+              <a:rPr lang="en-ID" sz="2800" i="0" dirty="0"/>
               <a:t>1. </a:t>
             </a:r>
             <a:r>
-              <a:rPr lang="en-ID" dirty="0" err="1"/>
+              <a:rPr lang="en-ID" sz="2800" i="0" dirty="0" err="1"/>
               <a:t>Sistem</a:t>
             </a:r>
             <a:r>
-              <a:rPr lang="en-ID" dirty="0"/>
-              <a:t> </a:t>
-            </a:r>
-            <a:r>
-              <a:rPr lang="en-ID" dirty="0" err="1"/>
+              <a:rPr lang="en-ID" sz="2800" i="0" dirty="0"/>
+              <a:t> </a:t>
+            </a:r>
+            <a:r>
+              <a:rPr lang="en-ID" sz="2800" i="0" dirty="0" err="1"/>
               <a:t>ini</a:t>
             </a:r>
             <a:r>
-              <a:rPr lang="en-ID" dirty="0"/>
-              <a:t> </a:t>
-            </a:r>
-            <a:r>
-              <a:rPr lang="en-ID" dirty="0" err="1"/>
+              <a:rPr lang="en-ID" sz="2800" i="0" dirty="0"/>
+              <a:t> </a:t>
+            </a:r>
+            <a:r>
+              <a:rPr lang="en-ID" sz="2800" i="0" dirty="0" err="1"/>
               <a:t>hanya</a:t>
             </a:r>
             <a:r>
-              <a:rPr lang="en-ID" dirty="0"/>
-              <a:t> </a:t>
-            </a:r>
-            <a:r>
-              <a:rPr lang="en-ID" dirty="0" err="1"/>
+              <a:rPr lang="en-ID" sz="2800" i="0" dirty="0"/>
+              <a:t> </a:t>
+            </a:r>
+            <a:r>
+              <a:rPr lang="en-ID" sz="2800" i="0" dirty="0" err="1"/>
               <a:t>digunakan</a:t>
             </a:r>
             <a:r>
-              <a:rPr lang="en-ID" dirty="0"/>
-              <a:t> </a:t>
-            </a:r>
-            <a:r>
-              <a:rPr lang="en-ID" dirty="0" err="1"/>
+              <a:rPr lang="en-ID" sz="2800" i="0" dirty="0"/>
+              <a:t> </a:t>
+            </a:r>
+            <a:r>
+              <a:rPr lang="en-ID" sz="2800" i="0" dirty="0" err="1"/>
               <a:t>untuk</a:t>
             </a:r>
             <a:r>
-              <a:rPr lang="en-ID" dirty="0"/>
-              <a:t> </a:t>
-            </a:r>
-            <a:r>
-              <a:rPr lang="en-ID" dirty="0" err="1"/>
+              <a:rPr lang="en-ID" sz="2800" i="0" dirty="0"/>
+              <a:t> </a:t>
+            </a:r>
+            <a:r>
+              <a:rPr lang="en-ID" sz="2800" i="0" dirty="0" err="1"/>
               <a:t>memesan</a:t>
             </a:r>
             <a:r>
-              <a:rPr lang="en-ID" dirty="0"/>
-              <a:t> </a:t>
-            </a:r>
-            <a:r>
-              <a:rPr lang="en-ID" dirty="0" err="1"/>
+              <a:rPr lang="en-ID" sz="2800" i="0" dirty="0"/>
+              <a:t> </a:t>
+            </a:r>
+            <a:r>
+              <a:rPr lang="en-ID" sz="2800" i="0" dirty="0" err="1"/>
               <a:t>barang</a:t>
             </a:r>
             <a:r>
-              <a:rPr lang="en-ID" dirty="0"/>
+              <a:rPr lang="en-ID" sz="2800" i="0" dirty="0"/>
               <a:t> yang </a:t>
             </a:r>
             <a:r>
-              <a:rPr lang="en-ID" dirty="0" err="1"/>
+              <a:rPr lang="en-ID" sz="2800" i="0" dirty="0" err="1"/>
               <a:t>ada</a:t>
             </a:r>
             <a:r>
-              <a:rPr lang="en-ID" dirty="0"/>
+              <a:rPr lang="en-ID" sz="2800" i="0" dirty="0"/>
               <a:t> pada PT.ABC.</a:t>
             </a:r>
           </a:p>
           <a:p>
             <a:r>
-              <a:rPr lang="en-ID" dirty="0"/>
+              <a:rPr lang="en-ID" sz="2800" i="0" dirty="0"/>
               <a:t>2. </a:t>
             </a:r>
             <a:r>
-              <a:rPr lang="en-ID" dirty="0" err="1"/>
+              <a:rPr lang="en-ID" sz="2800" i="0" dirty="0" err="1"/>
               <a:t>Sistem</a:t>
             </a:r>
             <a:r>
-              <a:rPr lang="en-ID" dirty="0"/>
-              <a:t> </a:t>
-            </a:r>
-            <a:r>
-              <a:rPr lang="en-ID" dirty="0" err="1"/>
+              <a:rPr lang="en-ID" sz="2800" i="0" dirty="0"/>
+              <a:t> </a:t>
+            </a:r>
+            <a:r>
+              <a:rPr lang="en-ID" sz="2800" i="0" dirty="0" err="1"/>
               <a:t>ini</a:t>
             </a:r>
             <a:r>
-              <a:rPr lang="en-ID" dirty="0"/>
-              <a:t> </a:t>
-            </a:r>
-            <a:r>
-              <a:rPr lang="en-ID" dirty="0" err="1"/>
+              <a:rPr lang="en-ID" sz="2800" i="0" dirty="0"/>
+              <a:t> </a:t>
+            </a:r>
+            <a:r>
+              <a:rPr lang="en-ID" sz="2800" i="0" dirty="0" err="1"/>
               <a:t>dibuat</a:t>
             </a:r>
             <a:r>
-              <a:rPr lang="en-ID" dirty="0"/>
-              <a:t> </a:t>
-            </a:r>
-            <a:r>
-              <a:rPr lang="en-ID" dirty="0" err="1"/>
+              <a:rPr lang="en-ID" sz="2800" i="0" dirty="0"/>
+              <a:t> </a:t>
+            </a:r>
+            <a:r>
+              <a:rPr lang="en-ID" sz="2800" i="0" dirty="0" err="1"/>
               <a:t>dengan</a:t>
             </a:r>
             <a:r>
-              <a:rPr lang="en-ID" dirty="0"/>
-              <a:t> </a:t>
-            </a:r>
-            <a:r>
-              <a:rPr lang="en-ID" dirty="0" err="1"/>
+              <a:rPr lang="en-ID" sz="2800" i="0" dirty="0"/>
+              <a:t> </a:t>
+            </a:r>
+            <a:r>
+              <a:rPr lang="en-ID" sz="2800" i="0" dirty="0" err="1"/>
               <a:t>menggunakan</a:t>
             </a:r>
             <a:r>
-              <a:rPr lang="en-ID" dirty="0"/>
-              <a:t> </a:t>
-            </a:r>
-            <a:r>
-              <a:rPr lang="en-ID" dirty="0" err="1"/>
+              <a:rPr lang="en-ID" sz="2800" i="0" dirty="0"/>
+              <a:t> </a:t>
+            </a:r>
+            <a:r>
+              <a:rPr lang="en-ID" sz="2800" i="0" dirty="0" err="1"/>
               <a:t>pemograman</a:t>
             </a:r>
             <a:r>
-              <a:rPr lang="en-ID" dirty="0"/>
+              <a:rPr lang="en-ID" sz="2800" i="0" dirty="0"/>
               <a:t> PHP dan MySQL </a:t>
             </a:r>
             <a:r>
-              <a:rPr lang="en-ID" dirty="0" err="1"/>
+              <a:rPr lang="en-ID" sz="2800" i="0" dirty="0" err="1"/>
               <a:t>sebagai</a:t>
             </a:r>
             <a:r>
-              <a:rPr lang="en-ID" dirty="0"/>
+              <a:rPr lang="en-ID" sz="2800" i="0" dirty="0"/>
               <a:t> database.</a:t>
             </a:r>
           </a:p>
@@ -10153,345 +10153,345 @@
           <a:lstStyle/>
           <a:p>
             <a:r>
-              <a:rPr lang="en-US" dirty="0" err="1"/>
+              <a:rPr lang="en-US" sz="2400" i="0" dirty="0" err="1"/>
               <a:t>Adapun</a:t>
             </a:r>
             <a:r>
-              <a:rPr lang="en-US" dirty="0"/>
-              <a:t> </a:t>
-            </a:r>
-            <a:r>
-              <a:rPr lang="en-US" dirty="0" err="1"/>
+              <a:rPr lang="en-US" sz="2400" i="0" dirty="0"/>
+              <a:t> </a:t>
+            </a:r>
+            <a:r>
+              <a:rPr lang="en-US" sz="2400" i="0" dirty="0" err="1"/>
               <a:t>tujuan</a:t>
             </a:r>
             <a:r>
-              <a:rPr lang="en-US" dirty="0"/>
-              <a:t> </a:t>
-            </a:r>
-            <a:r>
-              <a:rPr lang="en-US" dirty="0" err="1"/>
+              <a:rPr lang="en-US" sz="2400" i="0" dirty="0"/>
+              <a:t> </a:t>
+            </a:r>
+            <a:r>
+              <a:rPr lang="en-US" sz="2400" i="0" dirty="0" err="1"/>
               <a:t>dari</a:t>
             </a:r>
             <a:r>
-              <a:rPr lang="en-US" dirty="0"/>
-              <a:t> </a:t>
-            </a:r>
-            <a:r>
-              <a:rPr lang="en-US" dirty="0" err="1"/>
+              <a:rPr lang="en-US" sz="2400" i="0" dirty="0"/>
+              <a:t> </a:t>
+            </a:r>
+            <a:r>
+              <a:rPr lang="en-US" sz="2400" i="0" dirty="0" err="1"/>
               <a:t>pembuatan</a:t>
             </a:r>
             <a:r>
-              <a:rPr lang="en-US" dirty="0"/>
-              <a:t> </a:t>
-            </a:r>
-            <a:r>
-              <a:rPr lang="en-US" dirty="0" err="1"/>
+              <a:rPr lang="en-US" sz="2400" i="0" dirty="0"/>
+              <a:t> </a:t>
+            </a:r>
+            <a:r>
+              <a:rPr lang="en-US" sz="2400" i="0" dirty="0" err="1"/>
               <a:t>sistem</a:t>
             </a:r>
             <a:r>
-              <a:rPr lang="en-US" dirty="0"/>
-              <a:t> </a:t>
-            </a:r>
-            <a:r>
-              <a:rPr lang="en-US" dirty="0" err="1"/>
+              <a:rPr lang="en-US" sz="2400" i="0" dirty="0"/>
+              <a:t> </a:t>
+            </a:r>
+            <a:r>
+              <a:rPr lang="en-US" sz="2400" i="0" dirty="0" err="1"/>
               <a:t>ini</a:t>
             </a:r>
             <a:r>
-              <a:rPr lang="en-US" dirty="0"/>
-              <a:t> </a:t>
-            </a:r>
-            <a:r>
-              <a:rPr lang="en-US" dirty="0" err="1"/>
+              <a:rPr lang="en-US" sz="2400" i="0" dirty="0"/>
+              <a:t> </a:t>
+            </a:r>
+            <a:r>
+              <a:rPr lang="en-US" sz="2400" i="0" dirty="0" err="1"/>
               <a:t>adalah</a:t>
             </a:r>
             <a:r>
-              <a:rPr lang="en-US" dirty="0"/>
-              <a:t> </a:t>
-            </a:r>
-            <a:r>
-              <a:rPr lang="en-US" dirty="0" err="1"/>
+              <a:rPr lang="en-US" sz="2400" i="0" dirty="0"/>
+              <a:t> </a:t>
+            </a:r>
+            <a:r>
+              <a:rPr lang="en-US" sz="2400" i="0" dirty="0" err="1"/>
               <a:t>sebagai</a:t>
             </a:r>
             <a:r>
-              <a:rPr lang="en-US" dirty="0"/>
-              <a:t> </a:t>
-            </a:r>
-            <a:r>
-              <a:rPr lang="en-US" dirty="0" err="1"/>
+              <a:rPr lang="en-US" sz="2400" i="0" dirty="0"/>
+              <a:t> </a:t>
+            </a:r>
+            <a:r>
+              <a:rPr lang="en-US" sz="2400" i="0" dirty="0" err="1"/>
               <a:t>berikut</a:t>
             </a:r>
             <a:r>
-              <a:rPr lang="en-US" dirty="0"/>
+              <a:rPr lang="en-US" sz="2400" i="0" dirty="0"/>
               <a:t>: </a:t>
             </a:r>
-            <a:endParaRPr lang="en-ID" dirty="0"/>
+            <a:endParaRPr lang="en-ID" sz="2400" i="0" dirty="0"/>
           </a:p>
           <a:p>
             <a:pPr lvl="0"/>
             <a:r>
-              <a:rPr lang="en-US" dirty="0" err="1"/>
+              <a:rPr lang="en-US" sz="2400" i="0" dirty="0" err="1"/>
               <a:t>Untuk</a:t>
             </a:r>
             <a:r>
-              <a:rPr lang="en-US" dirty="0"/>
-              <a:t> </a:t>
-            </a:r>
-            <a:r>
-              <a:rPr lang="en-US" dirty="0" err="1"/>
+              <a:rPr lang="en-US" sz="2400" i="0" dirty="0"/>
+              <a:t> </a:t>
+            </a:r>
+            <a:r>
+              <a:rPr lang="en-US" sz="2400" i="0" dirty="0" err="1"/>
               <a:t>mendapatkan</a:t>
             </a:r>
             <a:r>
-              <a:rPr lang="en-US" dirty="0"/>
-              <a:t> </a:t>
-            </a:r>
-            <a:r>
-              <a:rPr lang="en-US" dirty="0" err="1"/>
+              <a:rPr lang="en-US" sz="2400" i="0" dirty="0"/>
+              <a:t> </a:t>
+            </a:r>
+            <a:r>
+              <a:rPr lang="en-US" sz="2400" i="0" dirty="0" err="1"/>
               <a:t>suatu</a:t>
             </a:r>
             <a:r>
-              <a:rPr lang="en-US" dirty="0"/>
-              <a:t> </a:t>
-            </a:r>
-            <a:r>
-              <a:rPr lang="en-US" dirty="0" err="1"/>
+              <a:rPr lang="en-US" sz="2400" i="0" dirty="0"/>
+              <a:t> </a:t>
+            </a:r>
+            <a:r>
+              <a:rPr lang="en-US" sz="2400" i="0" dirty="0" err="1"/>
               <a:t>sistem</a:t>
             </a:r>
             <a:r>
-              <a:rPr lang="en-US" dirty="0"/>
-              <a:t> </a:t>
-            </a:r>
-            <a:r>
-              <a:rPr lang="en-US" dirty="0" err="1"/>
+              <a:rPr lang="en-US" sz="2400" i="0" dirty="0"/>
+              <a:t> </a:t>
+            </a:r>
+            <a:r>
+              <a:rPr lang="en-US" sz="2400" i="0" dirty="0" err="1"/>
               <a:t>pemesanan</a:t>
             </a:r>
             <a:r>
-              <a:rPr lang="en-US" dirty="0"/>
+              <a:rPr lang="en-US" sz="2400" i="0" dirty="0"/>
               <a:t> yang </a:t>
             </a:r>
             <a:r>
-              <a:rPr lang="en-US" dirty="0" err="1"/>
+              <a:rPr lang="en-US" sz="2400" i="0" dirty="0" err="1"/>
               <a:t>dapat</a:t>
             </a:r>
             <a:r>
-              <a:rPr lang="en-US" dirty="0"/>
-              <a:t> </a:t>
-            </a:r>
-            <a:r>
-              <a:rPr lang="en-US" dirty="0" err="1"/>
+              <a:rPr lang="en-US" sz="2400" i="0" dirty="0"/>
+              <a:t> </a:t>
+            </a:r>
+            <a:r>
+              <a:rPr lang="en-US" sz="2400" i="0" dirty="0" err="1"/>
               <a:t>mempermudah</a:t>
             </a:r>
             <a:r>
-              <a:rPr lang="en-US" dirty="0"/>
-              <a:t> </a:t>
-            </a:r>
-            <a:r>
-              <a:rPr lang="en-US" dirty="0" err="1"/>
+              <a:rPr lang="en-US" sz="2400" i="0" dirty="0"/>
+              <a:t> </a:t>
+            </a:r>
+            <a:r>
+              <a:rPr lang="en-US" sz="2400" i="0" dirty="0" err="1"/>
               <a:t>konsumen</a:t>
             </a:r>
             <a:r>
-              <a:rPr lang="en-US" dirty="0"/>
-              <a:t> </a:t>
-            </a:r>
-            <a:r>
-              <a:rPr lang="en-US" dirty="0" err="1"/>
+              <a:rPr lang="en-US" sz="2400" i="0" dirty="0"/>
+              <a:t> </a:t>
+            </a:r>
+            <a:r>
+              <a:rPr lang="en-US" sz="2400" i="0" dirty="0" err="1"/>
               <a:t>dalam</a:t>
             </a:r>
             <a:r>
-              <a:rPr lang="en-US" dirty="0"/>
-              <a:t> </a:t>
-            </a:r>
-            <a:r>
-              <a:rPr lang="en-US" dirty="0" err="1"/>
+              <a:rPr lang="en-US" sz="2400" i="0" dirty="0"/>
+              <a:t> </a:t>
+            </a:r>
+            <a:r>
+              <a:rPr lang="en-US" sz="2400" i="0" dirty="0" err="1"/>
               <a:t>melakukan</a:t>
             </a:r>
             <a:r>
-              <a:rPr lang="en-US" dirty="0"/>
-              <a:t> </a:t>
-            </a:r>
-            <a:r>
-              <a:rPr lang="en-US" dirty="0" err="1"/>
+              <a:rPr lang="en-US" sz="2400" i="0" dirty="0"/>
+              <a:t> </a:t>
+            </a:r>
+            <a:r>
+              <a:rPr lang="en-US" sz="2400" i="0" dirty="0" err="1"/>
               <a:t>pembelian</a:t>
             </a:r>
             <a:r>
-              <a:rPr lang="en-US" dirty="0"/>
-              <a:t> </a:t>
-            </a:r>
-            <a:r>
-              <a:rPr lang="en-US" dirty="0" err="1"/>
+              <a:rPr lang="en-US" sz="2400" i="0" dirty="0"/>
+              <a:t> </a:t>
+            </a:r>
+            <a:r>
+              <a:rPr lang="en-US" sz="2400" i="0" dirty="0" err="1"/>
               <a:t>produk</a:t>
             </a:r>
             <a:r>
-              <a:rPr lang="en-US" dirty="0"/>
+              <a:rPr lang="en-US" sz="2400" i="0" dirty="0"/>
               <a:t> di PT.ABC </a:t>
             </a:r>
             <a:r>
-              <a:rPr lang="en-US" dirty="0" err="1"/>
+              <a:rPr lang="en-US" sz="2400" i="0" dirty="0" err="1"/>
               <a:t>menggunakan</a:t>
             </a:r>
             <a:r>
-              <a:rPr lang="en-US" dirty="0"/>
+              <a:rPr lang="en-US" sz="2400" i="0" dirty="0"/>
               <a:t> website. </a:t>
             </a:r>
-            <a:endParaRPr lang="en-ID" dirty="0"/>
+            <a:endParaRPr lang="en-ID" sz="2400" i="0" dirty="0"/>
           </a:p>
           <a:p>
             <a:pPr lvl="0"/>
             <a:r>
-              <a:rPr lang="en-US" dirty="0" err="1"/>
+              <a:rPr lang="en-US" sz="2400" i="0" dirty="0" err="1"/>
               <a:t>Sebagai</a:t>
             </a:r>
             <a:r>
-              <a:rPr lang="en-US" dirty="0"/>
-              <a:t> </a:t>
-            </a:r>
-            <a:r>
-              <a:rPr lang="en-US" dirty="0" err="1"/>
+              <a:rPr lang="en-US" sz="2400" i="0" dirty="0"/>
+              <a:t> </a:t>
+            </a:r>
+            <a:r>
+              <a:rPr lang="en-US" sz="2400" i="0" dirty="0" err="1"/>
               <a:t>syarat</a:t>
             </a:r>
             <a:r>
-              <a:rPr lang="en-US" dirty="0"/>
-              <a:t> </a:t>
-            </a:r>
-            <a:r>
-              <a:rPr lang="en-US" dirty="0" err="1"/>
+              <a:rPr lang="en-US" sz="2400" i="0" dirty="0"/>
+              <a:t> </a:t>
+            </a:r>
+            <a:r>
+              <a:rPr lang="en-US" sz="2400" i="0" dirty="0" err="1"/>
               <a:t>dalam</a:t>
             </a:r>
             <a:r>
-              <a:rPr lang="en-US" dirty="0"/>
-              <a:t> </a:t>
-            </a:r>
-            <a:r>
-              <a:rPr lang="en-US" dirty="0" err="1"/>
+              <a:rPr lang="en-US" sz="2400" i="0" dirty="0"/>
+              <a:t> </a:t>
+            </a:r>
+            <a:r>
+              <a:rPr lang="en-US" sz="2400" i="0" dirty="0" err="1"/>
               <a:t>menyelesaikan</a:t>
             </a:r>
             <a:r>
-              <a:rPr lang="en-US" dirty="0"/>
-              <a:t> </a:t>
-            </a:r>
-            <a:r>
-              <a:rPr lang="en-US" dirty="0" err="1"/>
+              <a:rPr lang="en-US" sz="2400" i="0" dirty="0"/>
+              <a:t> </a:t>
+            </a:r>
+            <a:r>
+              <a:rPr lang="en-US" sz="2400" i="0" dirty="0" err="1"/>
               <a:t>Tugas</a:t>
             </a:r>
             <a:r>
-              <a:rPr lang="en-US" dirty="0"/>
-              <a:t> </a:t>
-            </a:r>
-            <a:r>
-              <a:rPr lang="en-US" dirty="0" err="1"/>
+              <a:rPr lang="en-US" sz="2400" i="0" dirty="0"/>
+              <a:t> </a:t>
+            </a:r>
+            <a:r>
+              <a:rPr lang="en-US" sz="2400" i="0" dirty="0" err="1"/>
               <a:t>Besar</a:t>
             </a:r>
             <a:r>
-              <a:rPr lang="en-US" dirty="0"/>
-              <a:t> </a:t>
-            </a:r>
-            <a:r>
-              <a:rPr lang="en-US" dirty="0" err="1"/>
+              <a:rPr lang="en-US" sz="2400" i="0" dirty="0"/>
+              <a:t> </a:t>
+            </a:r>
+            <a:r>
+              <a:rPr lang="en-US" sz="2400" i="0" dirty="0" err="1"/>
               <a:t>mata</a:t>
             </a:r>
             <a:r>
-              <a:rPr lang="en-US" dirty="0"/>
-              <a:t> </a:t>
-            </a:r>
-            <a:r>
-              <a:rPr lang="en-US" dirty="0" err="1"/>
+              <a:rPr lang="en-US" sz="2400" i="0" dirty="0"/>
+              <a:t> </a:t>
+            </a:r>
+            <a:r>
+              <a:rPr lang="en-US" sz="2400" i="0" dirty="0" err="1"/>
               <a:t>kuliah</a:t>
             </a:r>
             <a:r>
-              <a:rPr lang="en-US" dirty="0"/>
+              <a:rPr lang="en-US" sz="2400" i="0" dirty="0"/>
               <a:t> RPL-2 Teknik </a:t>
             </a:r>
             <a:r>
-              <a:rPr lang="en-US" dirty="0" err="1"/>
+              <a:rPr lang="en-US" sz="2400" i="0" dirty="0" err="1"/>
               <a:t>Informatika</a:t>
             </a:r>
             <a:r>
-              <a:rPr lang="en-US" dirty="0"/>
+              <a:rPr lang="en-US" sz="2400" i="0" dirty="0"/>
               <a:t> di </a:t>
             </a:r>
             <a:r>
-              <a:rPr lang="en-US" dirty="0" err="1"/>
+              <a:rPr lang="en-US" sz="2400" i="0" dirty="0" err="1"/>
               <a:t>Politeknik</a:t>
             </a:r>
             <a:r>
-              <a:rPr lang="en-US" dirty="0"/>
+              <a:rPr lang="en-US" sz="2400" i="0" dirty="0"/>
               <a:t> Negeri </a:t>
             </a:r>
             <a:r>
-              <a:rPr lang="en-US" dirty="0" err="1"/>
+              <a:rPr lang="en-US" sz="2400" i="0" dirty="0" err="1"/>
               <a:t>Batam</a:t>
             </a:r>
             <a:r>
-              <a:rPr lang="en-US" dirty="0"/>
+              <a:rPr lang="en-US" sz="2400" i="0" dirty="0"/>
               <a:t>. </a:t>
             </a:r>
-            <a:endParaRPr lang="en-ID" dirty="0"/>
+            <a:endParaRPr lang="en-ID" sz="2400" i="0" dirty="0"/>
           </a:p>
           <a:p>
             <a:pPr lvl="0"/>
             <a:r>
-              <a:rPr lang="en-US" dirty="0" err="1"/>
+              <a:rPr lang="en-US" sz="2400" i="0" dirty="0" err="1"/>
               <a:t>Untuk</a:t>
             </a:r>
             <a:r>
-              <a:rPr lang="en-US" dirty="0"/>
-              <a:t> </a:t>
-            </a:r>
-            <a:r>
-              <a:rPr lang="en-US" dirty="0" err="1"/>
+              <a:rPr lang="en-US" sz="2400" i="0" dirty="0"/>
+              <a:t> </a:t>
+            </a:r>
+            <a:r>
+              <a:rPr lang="en-US" sz="2400" i="0" dirty="0" err="1"/>
               <a:t>mengimplementasikan</a:t>
             </a:r>
             <a:r>
-              <a:rPr lang="en-US" dirty="0"/>
-              <a:t> </a:t>
-            </a:r>
-            <a:r>
-              <a:rPr lang="en-US" dirty="0" err="1"/>
+              <a:rPr lang="en-US" sz="2400" i="0" dirty="0"/>
+              <a:t> </a:t>
+            </a:r>
+            <a:r>
+              <a:rPr lang="en-US" sz="2400" i="0" dirty="0" err="1"/>
               <a:t>ilmu</a:t>
             </a:r>
             <a:r>
-              <a:rPr lang="en-US" dirty="0"/>
+              <a:rPr lang="en-US" sz="2400" i="0" dirty="0"/>
               <a:t> yang </a:t>
             </a:r>
             <a:r>
-              <a:rPr lang="en-US" dirty="0" err="1"/>
+              <a:rPr lang="en-US" sz="2400" i="0" dirty="0" err="1"/>
               <a:t>didapat</a:t>
             </a:r>
             <a:r>
-              <a:rPr lang="en-US" dirty="0"/>
-              <a:t> </a:t>
-            </a:r>
-            <a:r>
-              <a:rPr lang="en-US" dirty="0" err="1"/>
+              <a:rPr lang="en-US" sz="2400" i="0" dirty="0"/>
+              <a:t> </a:t>
+            </a:r>
+            <a:r>
+              <a:rPr lang="en-US" sz="2400" i="0" dirty="0" err="1"/>
               <a:t>selama</a:t>
             </a:r>
             <a:r>
-              <a:rPr lang="en-US" dirty="0"/>
-              <a:t> </a:t>
-            </a:r>
-            <a:r>
-              <a:rPr lang="en-US" dirty="0" err="1"/>
+              <a:rPr lang="en-US" sz="2400" i="0" dirty="0"/>
+              <a:t> </a:t>
+            </a:r>
+            <a:r>
+              <a:rPr lang="en-US" sz="2400" i="0" dirty="0" err="1"/>
               <a:t>mengikuti</a:t>
             </a:r>
             <a:r>
-              <a:rPr lang="en-US" dirty="0"/>
-              <a:t> </a:t>
-            </a:r>
-            <a:r>
-              <a:rPr lang="en-US" dirty="0" err="1"/>
+              <a:rPr lang="en-US" sz="2400" i="0" dirty="0"/>
+              <a:t> </a:t>
+            </a:r>
+            <a:r>
+              <a:rPr lang="en-US" sz="2400" i="0" dirty="0" err="1"/>
               <a:t>perkuliahan</a:t>
             </a:r>
             <a:r>
-              <a:rPr lang="en-US" dirty="0"/>
+              <a:rPr lang="en-US" sz="2400" i="0" dirty="0"/>
               <a:t>.</a:t>
             </a:r>
-            <a:endParaRPr lang="en-ID" dirty="0"/>
-          </a:p>
-          <a:p>
-            <a:r>
-              <a:rPr lang="en-US" dirty="0"/>
+            <a:endParaRPr lang="en-ID" sz="2400" i="0" dirty="0"/>
+          </a:p>
+          <a:p>
+            <a:r>
+              <a:rPr lang="en-US" sz="2400" i="0" dirty="0"/>
               <a:t> </a:t>
             </a:r>
-            <a:endParaRPr lang="en-ID" dirty="0"/>
+            <a:endParaRPr lang="en-ID" sz="2400" i="0" dirty="0"/>
           </a:p>
           <a:p>
             <a:endParaRPr lang="en-ID" dirty="0"/>
@@ -10622,385 +10622,385 @@
           <a:lstStyle/>
           <a:p>
             <a:r>
-              <a:rPr lang="en-US" dirty="0" err="1"/>
+              <a:rPr lang="en-US" sz="2400" i="0" dirty="0" err="1"/>
               <a:t>Berdasarkan</a:t>
             </a:r>
             <a:r>
-              <a:rPr lang="en-US" dirty="0"/>
-              <a:t> </a:t>
-            </a:r>
-            <a:r>
-              <a:rPr lang="en-US" dirty="0" err="1"/>
+              <a:rPr lang="en-US" sz="2400" i="0" dirty="0"/>
+              <a:t> </a:t>
+            </a:r>
+            <a:r>
+              <a:rPr lang="en-US" sz="2400" i="0" dirty="0" err="1"/>
               <a:t>latar</a:t>
             </a:r>
             <a:r>
-              <a:rPr lang="en-US" dirty="0"/>
-              <a:t> </a:t>
-            </a:r>
-            <a:r>
-              <a:rPr lang="en-US" dirty="0" err="1"/>
+              <a:rPr lang="en-US" sz="2400" i="0" dirty="0"/>
+              <a:t> </a:t>
+            </a:r>
+            <a:r>
+              <a:rPr lang="en-US" sz="2400" i="0" dirty="0" err="1"/>
               <a:t>belakang</a:t>
             </a:r>
             <a:r>
-              <a:rPr lang="en-US" dirty="0"/>
+              <a:rPr lang="en-US" sz="2400" i="0" dirty="0"/>
               <a:t> yang </a:t>
             </a:r>
             <a:r>
-              <a:rPr lang="en-US" dirty="0" err="1"/>
+              <a:rPr lang="en-US" sz="2400" i="0" dirty="0" err="1"/>
               <a:t>telah</a:t>
             </a:r>
             <a:r>
-              <a:rPr lang="en-US" dirty="0"/>
-              <a:t> </a:t>
-            </a:r>
-            <a:r>
-              <a:rPr lang="en-US" dirty="0" err="1"/>
+              <a:rPr lang="en-US" sz="2400" i="0" dirty="0"/>
+              <a:t> </a:t>
+            </a:r>
+            <a:r>
+              <a:rPr lang="en-US" sz="2400" i="0" dirty="0" err="1"/>
               <a:t>diuraikan</a:t>
             </a:r>
             <a:r>
-              <a:rPr lang="en-US" dirty="0"/>
+              <a:rPr lang="en-US" sz="2400" i="0" dirty="0"/>
               <a:t>, </a:t>
             </a:r>
             <a:r>
-              <a:rPr lang="en-US" dirty="0" err="1"/>
+              <a:rPr lang="en-US" sz="2400" i="0" dirty="0" err="1"/>
               <a:t>maka</a:t>
             </a:r>
             <a:r>
-              <a:rPr lang="en-US" dirty="0"/>
-              <a:t> </a:t>
-            </a:r>
-            <a:r>
-              <a:rPr lang="en-US" dirty="0" err="1"/>
+              <a:rPr lang="en-US" sz="2400" i="0" dirty="0"/>
+              <a:t> </a:t>
+            </a:r>
+            <a:r>
+              <a:rPr lang="en-US" sz="2400" i="0" dirty="0" err="1"/>
               <a:t>diberikan</a:t>
             </a:r>
             <a:r>
-              <a:rPr lang="en-US" dirty="0"/>
-              <a:t> </a:t>
-            </a:r>
-            <a:r>
-              <a:rPr lang="en-US" dirty="0" err="1"/>
+              <a:rPr lang="en-US" sz="2400" i="0" dirty="0"/>
+              <a:t> </a:t>
+            </a:r>
+            <a:r>
+              <a:rPr lang="en-US" sz="2400" i="0" dirty="0" err="1"/>
               <a:t>batasan</a:t>
             </a:r>
             <a:r>
-              <a:rPr lang="en-US" dirty="0"/>
-              <a:t> </a:t>
-            </a:r>
-            <a:r>
-              <a:rPr lang="en-US" dirty="0" err="1"/>
+              <a:rPr lang="en-US" sz="2400" i="0" dirty="0"/>
+              <a:t> </a:t>
+            </a:r>
+            <a:r>
+              <a:rPr lang="en-US" sz="2400" i="0" dirty="0" err="1"/>
               <a:t>masalah</a:t>
             </a:r>
             <a:r>
-              <a:rPr lang="en-US" dirty="0"/>
-              <a:t> </a:t>
-            </a:r>
-            <a:r>
-              <a:rPr lang="en-US" dirty="0" err="1"/>
+              <a:rPr lang="en-US" sz="2400" i="0" dirty="0"/>
+              <a:t> </a:t>
+            </a:r>
+            <a:r>
+              <a:rPr lang="en-US" sz="2400" i="0" dirty="0" err="1"/>
               <a:t>dalam</a:t>
             </a:r>
             <a:r>
-              <a:rPr lang="en-US" dirty="0"/>
-              <a:t> </a:t>
-            </a:r>
-            <a:r>
-              <a:rPr lang="en-US" dirty="0" err="1"/>
+              <a:rPr lang="en-US" sz="2400" i="0" dirty="0"/>
+              <a:t> </a:t>
+            </a:r>
+            <a:r>
+              <a:rPr lang="en-US" sz="2400" i="0" dirty="0" err="1"/>
               <a:t>pembuatan</a:t>
             </a:r>
             <a:r>
-              <a:rPr lang="en-US" dirty="0"/>
-              <a:t> </a:t>
-            </a:r>
-            <a:r>
-              <a:rPr lang="en-US" dirty="0" err="1"/>
+              <a:rPr lang="en-US" sz="2400" i="0" dirty="0"/>
+              <a:t> </a:t>
+            </a:r>
+            <a:r>
+              <a:rPr lang="en-US" sz="2400" i="0" dirty="0" err="1"/>
               <a:t>sistem</a:t>
             </a:r>
             <a:r>
-              <a:rPr lang="en-US" dirty="0"/>
-              <a:t> </a:t>
-            </a:r>
-            <a:r>
-              <a:rPr lang="en-US" dirty="0" err="1"/>
+              <a:rPr lang="en-US" sz="2400" i="0" dirty="0"/>
+              <a:t> </a:t>
+            </a:r>
+            <a:r>
+              <a:rPr lang="en-US" sz="2400" i="0" dirty="0" err="1"/>
               <a:t>ini</a:t>
             </a:r>
             <a:r>
-              <a:rPr lang="en-US" dirty="0"/>
+              <a:rPr lang="en-US" sz="2400" i="0" dirty="0"/>
               <a:t>, </a:t>
             </a:r>
             <a:r>
-              <a:rPr lang="en-US" dirty="0" err="1"/>
+              <a:rPr lang="en-US" sz="2400" i="0" dirty="0" err="1"/>
               <a:t>yaitu</a:t>
             </a:r>
             <a:r>
-              <a:rPr lang="en-US" dirty="0"/>
+              <a:rPr lang="en-US" sz="2400" i="0" dirty="0"/>
               <a:t> :</a:t>
             </a:r>
-            <a:endParaRPr lang="en-ID" dirty="0"/>
+            <a:endParaRPr lang="en-ID" sz="2400" i="0" dirty="0"/>
           </a:p>
           <a:p>
             <a:pPr lvl="0"/>
             <a:r>
-              <a:rPr lang="en-US" dirty="0" err="1"/>
+              <a:rPr lang="en-US" sz="2400" i="0" dirty="0" err="1"/>
               <a:t>Penyajian</a:t>
             </a:r>
             <a:r>
-              <a:rPr lang="en-US" dirty="0"/>
-              <a:t> </a:t>
-            </a:r>
-            <a:r>
-              <a:rPr lang="en-US" dirty="0" err="1"/>
+              <a:rPr lang="en-US" sz="2400" i="0" dirty="0"/>
+              <a:t> </a:t>
+            </a:r>
+            <a:r>
+              <a:rPr lang="en-US" sz="2400" i="0" dirty="0" err="1"/>
               <a:t>informasi</a:t>
             </a:r>
             <a:r>
-              <a:rPr lang="en-US" dirty="0"/>
-              <a:t> </a:t>
-            </a:r>
-            <a:r>
-              <a:rPr lang="en-US" dirty="0" err="1"/>
+              <a:rPr lang="en-US" sz="2400" i="0" dirty="0"/>
+              <a:t> </a:t>
+            </a:r>
+            <a:r>
+              <a:rPr lang="en-US" sz="2400" i="0" dirty="0" err="1"/>
               <a:t>pemesanan</a:t>
             </a:r>
             <a:r>
-              <a:rPr lang="en-US" dirty="0"/>
-              <a:t> </a:t>
-            </a:r>
-            <a:r>
-              <a:rPr lang="en-US" dirty="0" err="1"/>
+              <a:rPr lang="en-US" sz="2400" i="0" dirty="0"/>
+              <a:t> </a:t>
+            </a:r>
+            <a:r>
+              <a:rPr lang="en-US" sz="2400" i="0" dirty="0" err="1"/>
               <a:t>meliputi</a:t>
             </a:r>
             <a:r>
-              <a:rPr lang="en-US" dirty="0"/>
-              <a:t> </a:t>
-            </a:r>
-            <a:r>
-              <a:rPr lang="en-US" dirty="0" err="1"/>
+              <a:rPr lang="en-US" sz="2400" i="0" dirty="0"/>
+              <a:t> </a:t>
+            </a:r>
+            <a:r>
+              <a:rPr lang="en-US" sz="2400" i="0" dirty="0" err="1"/>
               <a:t>informasi</a:t>
             </a:r>
             <a:r>
-              <a:rPr lang="en-US" dirty="0"/>
-              <a:t> </a:t>
-            </a:r>
-            <a:r>
-              <a:rPr lang="en-US" dirty="0" err="1"/>
+              <a:rPr lang="en-US" sz="2400" i="0" dirty="0"/>
+              <a:t> </a:t>
+            </a:r>
+            <a:r>
+              <a:rPr lang="en-US" sz="2400" i="0" dirty="0" err="1"/>
               <a:t>jenis</a:t>
             </a:r>
             <a:r>
-              <a:rPr lang="en-US" dirty="0"/>
-              <a:t> </a:t>
-            </a:r>
-            <a:r>
-              <a:rPr lang="en-US" dirty="0" err="1"/>
+              <a:rPr lang="en-US" sz="2400" i="0" dirty="0"/>
+              <a:t> </a:t>
+            </a:r>
+            <a:r>
+              <a:rPr lang="en-US" sz="2400" i="0" dirty="0" err="1"/>
               <a:t>produk</a:t>
             </a:r>
             <a:r>
-              <a:rPr lang="en-US" dirty="0"/>
-              <a:t> </a:t>
-            </a:r>
-            <a:r>
-              <a:rPr lang="en-US" dirty="0" err="1"/>
+              <a:rPr lang="en-US" sz="2400" i="0" dirty="0"/>
+              <a:t> </a:t>
+            </a:r>
+            <a:r>
+              <a:rPr lang="en-US" sz="2400" i="0" dirty="0" err="1"/>
               <a:t>dengan</a:t>
             </a:r>
             <a:r>
-              <a:rPr lang="en-US" dirty="0"/>
-              <a:t> </a:t>
-            </a:r>
-            <a:r>
-              <a:rPr lang="en-US" dirty="0" err="1"/>
+              <a:rPr lang="en-US" sz="2400" i="0" dirty="0"/>
+              <a:t> </a:t>
+            </a:r>
+            <a:r>
+              <a:rPr lang="en-US" sz="2400" i="0" dirty="0" err="1"/>
               <a:t>fasilitas</a:t>
             </a:r>
             <a:r>
-              <a:rPr lang="en-US" dirty="0"/>
-              <a:t> </a:t>
-            </a:r>
-            <a:r>
-              <a:rPr lang="en-US" dirty="0" err="1"/>
+              <a:rPr lang="en-US" sz="2400" i="0" dirty="0"/>
+              <a:t> </a:t>
+            </a:r>
+            <a:r>
+              <a:rPr lang="en-US" sz="2400" i="0" dirty="0" err="1"/>
               <a:t>informasi</a:t>
             </a:r>
             <a:r>
-              <a:rPr lang="en-US" dirty="0"/>
-              <a:t> </a:t>
-            </a:r>
-            <a:r>
-              <a:rPr lang="en-US" dirty="0" err="1"/>
+              <a:rPr lang="en-US" sz="2400" i="0" dirty="0"/>
+              <a:t> </a:t>
+            </a:r>
+            <a:r>
+              <a:rPr lang="en-US" sz="2400" i="0" dirty="0" err="1"/>
               <a:t>pemesanan</a:t>
             </a:r>
             <a:r>
-              <a:rPr lang="en-US" dirty="0"/>
+              <a:rPr lang="en-US" sz="2400" i="0" dirty="0"/>
               <a:t>, </a:t>
             </a:r>
             <a:r>
-              <a:rPr lang="en-US" dirty="0" err="1"/>
+              <a:rPr lang="en-US" sz="2400" i="0" dirty="0" err="1"/>
               <a:t>konfirmasi</a:t>
             </a:r>
             <a:r>
-              <a:rPr lang="en-US" dirty="0"/>
-              <a:t> </a:t>
-            </a:r>
-            <a:r>
-              <a:rPr lang="en-US" dirty="0" err="1"/>
+              <a:rPr lang="en-US" sz="2400" i="0" dirty="0"/>
+              <a:t> </a:t>
+            </a:r>
+            <a:r>
+              <a:rPr lang="en-US" sz="2400" i="0" dirty="0" err="1"/>
               <a:t>pembayaran</a:t>
             </a:r>
             <a:r>
-              <a:rPr lang="en-US" dirty="0"/>
+              <a:rPr lang="en-US" sz="2400" i="0" dirty="0"/>
               <a:t> dan </a:t>
             </a:r>
             <a:r>
-              <a:rPr lang="en-US" dirty="0" err="1"/>
+              <a:rPr lang="en-US" sz="2400" i="0" dirty="0" err="1"/>
               <a:t>cek</a:t>
             </a:r>
             <a:r>
-              <a:rPr lang="en-US" dirty="0"/>
-              <a:t> </a:t>
-            </a:r>
-            <a:r>
-              <a:rPr lang="en-US" dirty="0" err="1"/>
+              <a:rPr lang="en-US" sz="2400" i="0" dirty="0"/>
+              <a:t> </a:t>
+            </a:r>
+            <a:r>
+              <a:rPr lang="en-US" sz="2400" i="0" dirty="0" err="1"/>
               <a:t>produk</a:t>
             </a:r>
             <a:r>
-              <a:rPr lang="en-US" dirty="0"/>
+              <a:rPr lang="en-US" sz="2400" i="0" dirty="0"/>
               <a:t>.</a:t>
             </a:r>
-            <a:endParaRPr lang="en-ID" dirty="0"/>
+            <a:endParaRPr lang="en-ID" sz="2400" i="0" dirty="0"/>
           </a:p>
           <a:p>
             <a:pPr lvl="0"/>
             <a:r>
-              <a:rPr lang="en-US" dirty="0"/>
+              <a:rPr lang="en-US" sz="2400" i="0" dirty="0"/>
               <a:t>Program yang </a:t>
             </a:r>
             <a:r>
-              <a:rPr lang="en-US" dirty="0" err="1"/>
+              <a:rPr lang="en-US" sz="2400" i="0" dirty="0" err="1"/>
               <a:t>digunakan</a:t>
             </a:r>
             <a:r>
-              <a:rPr lang="en-US" dirty="0"/>
-              <a:t> </a:t>
-            </a:r>
-            <a:r>
-              <a:rPr lang="en-US" dirty="0" err="1"/>
+              <a:rPr lang="en-US" sz="2400" i="0" dirty="0"/>
+              <a:t> </a:t>
+            </a:r>
+            <a:r>
+              <a:rPr lang="en-US" sz="2400" i="0" dirty="0" err="1"/>
               <a:t>untuk</a:t>
             </a:r>
             <a:r>
-              <a:rPr lang="en-US" dirty="0"/>
-              <a:t> </a:t>
-            </a:r>
-            <a:r>
-              <a:rPr lang="en-US" dirty="0" err="1"/>
+              <a:rPr lang="en-US" sz="2400" i="0" dirty="0"/>
+              <a:t> </a:t>
+            </a:r>
+            <a:r>
+              <a:rPr lang="en-US" sz="2400" i="0" dirty="0" err="1"/>
               <a:t>perancangan</a:t>
             </a:r>
             <a:r>
-              <a:rPr lang="en-US" dirty="0"/>
+              <a:rPr lang="en-US" sz="2400" i="0" dirty="0"/>
               <a:t> website </a:t>
             </a:r>
             <a:r>
-              <a:rPr lang="en-US" dirty="0" err="1"/>
+              <a:rPr lang="en-US" sz="2400" i="0" dirty="0" err="1"/>
               <a:t>adalah</a:t>
             </a:r>
             <a:r>
-              <a:rPr lang="en-US" dirty="0"/>
-              <a:t> </a:t>
-            </a:r>
-            <a:r>
-              <a:rPr lang="en-US" dirty="0" err="1"/>
+              <a:rPr lang="en-US" sz="2400" i="0" dirty="0"/>
+              <a:t> </a:t>
+            </a:r>
+            <a:r>
+              <a:rPr lang="en-US" sz="2400" i="0" dirty="0" err="1"/>
               <a:t>menggunakan</a:t>
             </a:r>
             <a:r>
-              <a:rPr lang="en-US" dirty="0"/>
+              <a:rPr lang="en-US" sz="2400" i="0" dirty="0"/>
               <a:t> software </a:t>
             </a:r>
             <a:r>
-              <a:rPr lang="en-US" dirty="0" err="1"/>
+              <a:rPr lang="en-US" sz="2400" i="0" dirty="0" err="1"/>
               <a:t>berorientasi</a:t>
             </a:r>
             <a:r>
-              <a:rPr lang="en-US" dirty="0"/>
-              <a:t> </a:t>
-            </a:r>
-            <a:r>
-              <a:rPr lang="en-US" dirty="0" err="1"/>
+              <a:rPr lang="en-US" sz="2400" i="0" dirty="0"/>
+              <a:t> </a:t>
+            </a:r>
+            <a:r>
+              <a:rPr lang="en-US" sz="2400" i="0" dirty="0" err="1"/>
               <a:t>objek</a:t>
             </a:r>
             <a:r>
-              <a:rPr lang="en-US" dirty="0"/>
+              <a:rPr lang="en-US" sz="2400" i="0" dirty="0"/>
               <a:t>.</a:t>
             </a:r>
-            <a:endParaRPr lang="en-ID" dirty="0"/>
-          </a:p>
-          <a:p>
-            <a:r>
-              <a:rPr lang="en-US" dirty="0"/>
+            <a:endParaRPr lang="en-ID" sz="2400" i="0" dirty="0"/>
+          </a:p>
+          <a:p>
+            <a:r>
+              <a:rPr lang="en-US" sz="2400" i="0" dirty="0"/>
               <a:t>Proses order </a:t>
             </a:r>
             <a:r>
-              <a:rPr lang="en-US" dirty="0" err="1"/>
+              <a:rPr lang="en-US" sz="2400" i="0" dirty="0" err="1"/>
               <a:t>barang</a:t>
             </a:r>
             <a:r>
-              <a:rPr lang="en-US" dirty="0"/>
-              <a:t> </a:t>
-            </a:r>
-            <a:r>
-              <a:rPr lang="en-US" dirty="0" err="1"/>
+              <a:rPr lang="en-US" sz="2400" i="0" dirty="0"/>
+              <a:t> </a:t>
+            </a:r>
+            <a:r>
+              <a:rPr lang="en-US" sz="2400" i="0" dirty="0" err="1"/>
               <a:t>ditampilkan</a:t>
             </a:r>
             <a:r>
-              <a:rPr lang="en-US" dirty="0"/>
+              <a:rPr lang="en-US" sz="2400" i="0" dirty="0"/>
               <a:t> pada web </a:t>
             </a:r>
             <a:r>
-              <a:rPr lang="en-US" dirty="0" err="1"/>
+              <a:rPr lang="en-US" sz="2400" i="0" dirty="0" err="1"/>
               <a:t>hanya</a:t>
             </a:r>
             <a:r>
-              <a:rPr lang="en-US" dirty="0"/>
-              <a:t> </a:t>
-            </a:r>
-            <a:r>
-              <a:rPr lang="en-US" dirty="0" err="1"/>
+              <a:rPr lang="en-US" sz="2400" i="0" dirty="0"/>
+              <a:t> </a:t>
+            </a:r>
+            <a:r>
+              <a:rPr lang="en-US" sz="2400" i="0" dirty="0" err="1"/>
               <a:t>sampai</a:t>
             </a:r>
             <a:r>
-              <a:rPr lang="en-US" dirty="0"/>
-              <a:t> </a:t>
-            </a:r>
-            <a:r>
-              <a:rPr lang="en-US" dirty="0" err="1"/>
+              <a:rPr lang="en-US" sz="2400" i="0" dirty="0"/>
+              <a:t> </a:t>
+            </a:r>
+            <a:r>
+              <a:rPr lang="en-US" sz="2400" i="0" dirty="0" err="1"/>
               <a:t>dengan</a:t>
             </a:r>
             <a:r>
-              <a:rPr lang="en-US" dirty="0"/>
+              <a:rPr lang="en-US" sz="2400" i="0" dirty="0"/>
               <a:t> proses </a:t>
             </a:r>
             <a:r>
-              <a:rPr lang="en-US" dirty="0" err="1"/>
+              <a:rPr lang="en-US" sz="2400" i="0" dirty="0" err="1"/>
               <a:t>pembayaran</a:t>
             </a:r>
             <a:r>
-              <a:rPr lang="en-US" dirty="0"/>
+              <a:rPr lang="en-US" sz="2400" i="0" dirty="0"/>
               <a:t> yang </a:t>
             </a:r>
             <a:r>
-              <a:rPr lang="en-US" dirty="0" err="1"/>
+              <a:rPr lang="en-US" sz="2400" i="0" dirty="0" err="1"/>
               <a:t>harus</a:t>
             </a:r>
             <a:r>
-              <a:rPr lang="en-US" dirty="0"/>
-              <a:t> </a:t>
-            </a:r>
-            <a:r>
-              <a:rPr lang="en-US" dirty="0" err="1"/>
+              <a:rPr lang="en-US" sz="2400" i="0" dirty="0"/>
+              <a:t> </a:t>
+            </a:r>
+            <a:r>
+              <a:rPr lang="en-US" sz="2400" i="0" dirty="0" err="1"/>
               <a:t>dilakukan</a:t>
             </a:r>
             <a:r>
-              <a:rPr lang="en-US" dirty="0"/>
+              <a:rPr lang="en-US" sz="2400" i="0" dirty="0"/>
               <a:t> oleh </a:t>
             </a:r>
             <a:r>
-              <a:rPr lang="en-US" dirty="0" err="1"/>
+              <a:rPr lang="en-US" sz="2400" i="0" dirty="0" err="1"/>
               <a:t>konsumen</a:t>
             </a:r>
             <a:r>
-              <a:rPr lang="en-US" dirty="0"/>
+              <a:rPr lang="en-US" sz="2400" i="0" dirty="0"/>
               <a:t>.</a:t>
             </a:r>
-            <a:endParaRPr lang="en-ID" dirty="0"/>
+            <a:endParaRPr lang="en-ID" sz="2400" i="0" dirty="0"/>
           </a:p>
         </p:txBody>
       </p:sp>
